--- a/HobGoblin.pptx
+++ b/HobGoblin.pptx
@@ -16,10 +16,7 @@
     <p:sldId id="266" r:id="rId10"/>
     <p:sldId id="260" r:id="rId11"/>
     <p:sldId id="261" r:id="rId12"/>
-    <p:sldId id="262" r:id="rId13"/>
-    <p:sldId id="263" r:id="rId14"/>
-    <p:sldId id="264" r:id="rId15"/>
-    <p:sldId id="265" r:id="rId16"/>
+    <p:sldId id="272" r:id="rId13"/>
   </p:sldIdLst>
   <p:sldSz cx="9144000" cy="6858000" type="screen4x3"/>
   <p:notesSz cx="6858000" cy="9144000"/>
@@ -3887,263 +3884,116 @@
             <p:ph type="title"/>
           </p:nvPr>
         </p:nvSpPr>
-        <p:spPr/>
-        <p:txBody>
-          <a:bodyPr/>
-          <a:lstStyle/>
-          <a:p>
-            <a:endParaRPr lang="bg-BG"/>
-          </a:p>
-        </p:txBody>
-      </p:sp>
-      <p:sp>
-        <p:nvSpPr>
-          <p:cNvPr id="3" name="Контейнер за съдържание 2"/>
-          <p:cNvSpPr>
-            <a:spLocks noGrp="1"/>
-          </p:cNvSpPr>
-          <p:nvPr>
-            <p:ph idx="1"/>
-          </p:nvPr>
-        </p:nvSpPr>
-        <p:spPr/>
-        <p:txBody>
-          <a:bodyPr/>
-          <a:lstStyle/>
-          <a:p>
-            <a:endParaRPr lang="bg-BG"/>
-          </a:p>
-        </p:txBody>
-      </p:sp>
+        <p:spPr>
+          <a:xfrm>
+            <a:off x="539552" y="2132856"/>
+            <a:ext cx="8229600" cy="1600200"/>
+          </a:xfrm>
+        </p:spPr>
+        <p:txBody>
+          <a:bodyPr>
+            <a:prstTxWarp prst="textButton">
+              <a:avLst>
+                <a:gd name="adj" fmla="val 12918232"/>
+              </a:avLst>
+            </a:prstTxWarp>
+          </a:bodyPr>
+          <a:lstStyle/>
+          <a:p>
+            <a:r>
+              <a:rPr lang="en-US" sz="16600" b="1" spc="50" dirty="0" smtClean="0">
+                <a:ln w="11430"/>
+                <a:solidFill>
+                  <a:schemeClr val="accent5"/>
+                </a:solidFill>
+                <a:effectLst>
+                  <a:outerShdw blurRad="76200" dist="50800" dir="5400000" algn="tl" rotWithShape="0">
+                    <a:srgbClr val="000000">
+                      <a:alpha val="65000"/>
+                    </a:srgbClr>
+                  </a:outerShdw>
+                </a:effectLst>
+              </a:rPr>
+              <a:t>The End</a:t>
+            </a:r>
+            <a:r>
+              <a:rPr lang="en-US" sz="16600" b="1" spc="50" dirty="0">
+                <a:ln w="11430"/>
+                <a:solidFill>
+                  <a:schemeClr val="accent5"/>
+                </a:solidFill>
+                <a:effectLst>
+                  <a:outerShdw blurRad="76200" dist="50800" dir="5400000" algn="tl" rotWithShape="0">
+                    <a:srgbClr val="000000">
+                      <a:alpha val="65000"/>
+                    </a:srgbClr>
+                  </a:outerShdw>
+                </a:effectLst>
+              </a:rPr>
+              <a:t/>
+            </a:r>
+            <a:br>
+              <a:rPr lang="en-US" sz="16600" b="1" spc="50" dirty="0">
+                <a:ln w="11430"/>
+                <a:solidFill>
+                  <a:schemeClr val="accent5"/>
+                </a:solidFill>
+                <a:effectLst>
+                  <a:outerShdw blurRad="76200" dist="50800" dir="5400000" algn="tl" rotWithShape="0">
+                    <a:srgbClr val="000000">
+                      <a:alpha val="65000"/>
+                    </a:srgbClr>
+                  </a:outerShdw>
+                </a:effectLst>
+              </a:rPr>
+            </a:br>
+            <a:endParaRPr lang="bg-BG" sz="7200" dirty="0"/>
+          </a:p>
+        </p:txBody>
+      </p:sp>
+      <p:pic>
+        <p:nvPicPr>
+          <p:cNvPr id="4" name="Картина 3"/>
+          <p:cNvPicPr>
+            <a:picLocks noChangeAspect="1"/>
+          </p:cNvPicPr>
+          <p:nvPr/>
+        </p:nvPicPr>
+        <p:blipFill>
+          <a:blip r:embed="rId2">
+            <a:extLst>
+              <a:ext uri="{BEBA8EAE-BF5A-486C-A8C5-ECC9F3942E4B}">
+                <a14:imgProps xmlns:a14="http://schemas.microsoft.com/office/drawing/2010/main">
+                  <a14:imgLayer r:embed="rId3">
+                    <a14:imgEffect>
+                      <a14:backgroundRemoval t="1031" b="100000" l="0" r="100000"/>
+                    </a14:imgEffect>
+                  </a14:imgLayer>
+                </a14:imgProps>
+              </a:ext>
+              <a:ext uri="{28A0092B-C50C-407E-A947-70E740481C1C}">
+                <a14:useLocalDpi xmlns:a14="http://schemas.microsoft.com/office/drawing/2010/main" val="0"/>
+              </a:ext>
+            </a:extLst>
+          </a:blip>
+          <a:stretch>
+            <a:fillRect/>
+          </a:stretch>
+        </p:blipFill>
+        <p:spPr>
+          <a:xfrm>
+            <a:off x="5220072" y="2817179"/>
+            <a:ext cx="3903890" cy="4071799"/>
+          </a:xfrm>
+          <a:prstGeom prst="rect">
+            <a:avLst/>
+          </a:prstGeom>
+        </p:spPr>
+      </p:pic>
     </p:spTree>
     <p:extLst>
       <p:ext uri="{BB962C8B-B14F-4D97-AF65-F5344CB8AC3E}">
-        <p14:creationId xmlns:p14="http://schemas.microsoft.com/office/powerpoint/2010/main" val="526421849"/>
-      </p:ext>
-    </p:extLst>
-  </p:cSld>
-  <p:clrMapOvr>
-    <a:masterClrMapping/>
-  </p:clrMapOvr>
-  <p:timing>
-    <p:tnLst>
-      <p:par>
-        <p:cTn id="1" dur="indefinite" restart="never" nodeType="tmRoot"/>
-      </p:par>
-    </p:tnLst>
-  </p:timing>
-</p:sld>
-</file>
-
-<file path=ppt/slides/slide13.xml><?xml version="1.0" encoding="utf-8"?>
-<p:sld xmlns:a="http://schemas.openxmlformats.org/drawingml/2006/main" xmlns:r="http://schemas.openxmlformats.org/officeDocument/2006/relationships" xmlns:p="http://schemas.openxmlformats.org/presentationml/2006/main">
-  <p:cSld>
-    <p:spTree>
-      <p:nvGrpSpPr>
-        <p:cNvPr id="1" name=""/>
-        <p:cNvGrpSpPr/>
-        <p:nvPr/>
-      </p:nvGrpSpPr>
-      <p:grpSpPr>
-        <a:xfrm>
-          <a:off x="0" y="0"/>
-          <a:ext cx="0" cy="0"/>
-          <a:chOff x="0" y="0"/>
-          <a:chExt cx="0" cy="0"/>
-        </a:xfrm>
-      </p:grpSpPr>
-      <p:sp>
-        <p:nvSpPr>
-          <p:cNvPr id="2" name="Заглавие 1"/>
-          <p:cNvSpPr>
-            <a:spLocks noGrp="1"/>
-          </p:cNvSpPr>
-          <p:nvPr>
-            <p:ph type="title"/>
-          </p:nvPr>
-        </p:nvSpPr>
-        <p:spPr/>
-        <p:txBody>
-          <a:bodyPr/>
-          <a:lstStyle/>
-          <a:p>
-            <a:endParaRPr lang="bg-BG"/>
-          </a:p>
-        </p:txBody>
-      </p:sp>
-      <p:sp>
-        <p:nvSpPr>
-          <p:cNvPr id="3" name="Контейнер за съдържание 2"/>
-          <p:cNvSpPr>
-            <a:spLocks noGrp="1"/>
-          </p:cNvSpPr>
-          <p:nvPr>
-            <p:ph idx="1"/>
-          </p:nvPr>
-        </p:nvSpPr>
-        <p:spPr/>
-        <p:txBody>
-          <a:bodyPr/>
-          <a:lstStyle/>
-          <a:p>
-            <a:endParaRPr lang="bg-BG"/>
-          </a:p>
-        </p:txBody>
-      </p:sp>
-    </p:spTree>
-    <p:extLst>
-      <p:ext uri="{BB962C8B-B14F-4D97-AF65-F5344CB8AC3E}">
-        <p14:creationId xmlns:p14="http://schemas.microsoft.com/office/powerpoint/2010/main" val="894224371"/>
-      </p:ext>
-    </p:extLst>
-  </p:cSld>
-  <p:clrMapOvr>
-    <a:masterClrMapping/>
-  </p:clrMapOvr>
-  <p:timing>
-    <p:tnLst>
-      <p:par>
-        <p:cTn id="1" dur="indefinite" restart="never" nodeType="tmRoot"/>
-      </p:par>
-    </p:tnLst>
-  </p:timing>
-</p:sld>
-</file>
-
-<file path=ppt/slides/slide14.xml><?xml version="1.0" encoding="utf-8"?>
-<p:sld xmlns:a="http://schemas.openxmlformats.org/drawingml/2006/main" xmlns:r="http://schemas.openxmlformats.org/officeDocument/2006/relationships" xmlns:p="http://schemas.openxmlformats.org/presentationml/2006/main">
-  <p:cSld>
-    <p:spTree>
-      <p:nvGrpSpPr>
-        <p:cNvPr id="1" name=""/>
-        <p:cNvGrpSpPr/>
-        <p:nvPr/>
-      </p:nvGrpSpPr>
-      <p:grpSpPr>
-        <a:xfrm>
-          <a:off x="0" y="0"/>
-          <a:ext cx="0" cy="0"/>
-          <a:chOff x="0" y="0"/>
-          <a:chExt cx="0" cy="0"/>
-        </a:xfrm>
-      </p:grpSpPr>
-      <p:sp>
-        <p:nvSpPr>
-          <p:cNvPr id="2" name="Заглавие 1"/>
-          <p:cNvSpPr>
-            <a:spLocks noGrp="1"/>
-          </p:cNvSpPr>
-          <p:nvPr>
-            <p:ph type="title"/>
-          </p:nvPr>
-        </p:nvSpPr>
-        <p:spPr/>
-        <p:txBody>
-          <a:bodyPr/>
-          <a:lstStyle/>
-          <a:p>
-            <a:endParaRPr lang="bg-BG"/>
-          </a:p>
-        </p:txBody>
-      </p:sp>
-      <p:sp>
-        <p:nvSpPr>
-          <p:cNvPr id="3" name="Контейнер за съдържание 2"/>
-          <p:cNvSpPr>
-            <a:spLocks noGrp="1"/>
-          </p:cNvSpPr>
-          <p:nvPr>
-            <p:ph idx="1"/>
-          </p:nvPr>
-        </p:nvSpPr>
-        <p:spPr/>
-        <p:txBody>
-          <a:bodyPr/>
-          <a:lstStyle/>
-          <a:p>
-            <a:endParaRPr lang="bg-BG"/>
-          </a:p>
-        </p:txBody>
-      </p:sp>
-    </p:spTree>
-    <p:extLst>
-      <p:ext uri="{BB962C8B-B14F-4D97-AF65-F5344CB8AC3E}">
-        <p14:creationId xmlns:p14="http://schemas.microsoft.com/office/powerpoint/2010/main" val="2728547929"/>
-      </p:ext>
-    </p:extLst>
-  </p:cSld>
-  <p:clrMapOvr>
-    <a:masterClrMapping/>
-  </p:clrMapOvr>
-  <p:timing>
-    <p:tnLst>
-      <p:par>
-        <p:cTn id="1" dur="indefinite" restart="never" nodeType="tmRoot"/>
-      </p:par>
-    </p:tnLst>
-  </p:timing>
-</p:sld>
-</file>
-
-<file path=ppt/slides/slide15.xml><?xml version="1.0" encoding="utf-8"?>
-<p:sld xmlns:a="http://schemas.openxmlformats.org/drawingml/2006/main" xmlns:r="http://schemas.openxmlformats.org/officeDocument/2006/relationships" xmlns:p="http://schemas.openxmlformats.org/presentationml/2006/main">
-  <p:cSld>
-    <p:spTree>
-      <p:nvGrpSpPr>
-        <p:cNvPr id="1" name=""/>
-        <p:cNvGrpSpPr/>
-        <p:nvPr/>
-      </p:nvGrpSpPr>
-      <p:grpSpPr>
-        <a:xfrm>
-          <a:off x="0" y="0"/>
-          <a:ext cx="0" cy="0"/>
-          <a:chOff x="0" y="0"/>
-          <a:chExt cx="0" cy="0"/>
-        </a:xfrm>
-      </p:grpSpPr>
-      <p:sp>
-        <p:nvSpPr>
-          <p:cNvPr id="2" name="Заглавие 1"/>
-          <p:cNvSpPr>
-            <a:spLocks noGrp="1"/>
-          </p:cNvSpPr>
-          <p:nvPr>
-            <p:ph type="title"/>
-          </p:nvPr>
-        </p:nvSpPr>
-        <p:spPr/>
-        <p:txBody>
-          <a:bodyPr/>
-          <a:lstStyle/>
-          <a:p>
-            <a:endParaRPr lang="bg-BG"/>
-          </a:p>
-        </p:txBody>
-      </p:sp>
-      <p:sp>
-        <p:nvSpPr>
-          <p:cNvPr id="3" name="Контейнер за съдържание 2"/>
-          <p:cNvSpPr>
-            <a:spLocks noGrp="1"/>
-          </p:cNvSpPr>
-          <p:nvPr>
-            <p:ph idx="1"/>
-          </p:nvPr>
-        </p:nvSpPr>
-        <p:spPr/>
-        <p:txBody>
-          <a:bodyPr/>
-          <a:lstStyle/>
-          <a:p>
-            <a:endParaRPr lang="bg-BG"/>
-          </a:p>
-        </p:txBody>
-      </p:sp>
-    </p:spTree>
-    <p:extLst>
-      <p:ext uri="{BB962C8B-B14F-4D97-AF65-F5344CB8AC3E}">
-        <p14:creationId xmlns:p14="http://schemas.microsoft.com/office/powerpoint/2010/main" val="2122471333"/>
+        <p14:creationId xmlns:p14="http://schemas.microsoft.com/office/powerpoint/2010/main" val="3932554810"/>
       </p:ext>
     </p:extLst>
   </p:cSld>
